--- a/Instructions_Pictures/AFACT & MAB Instructions/MABMainInstructionPresentation.pptx
+++ b/Instructions_Pictures/AFACT & MAB Instructions/MABMainInstructionPresentation.pptx
@@ -249,7 +249,7 @@
           <a:p>
             <a:fld id="{306B59E2-DA6D-487B-96A5-0C8E7410BF99}" type="datetimeFigureOut">
               <a:rPr lang="he-IL" smtClean="0"/>
-              <a:t>ג'/אלול/תש"ף</a:t>
+              <a:t>ט'/אב/תשפ"א</a:t>
             </a:fld>
             <a:endParaRPr lang="he-IL"/>
           </a:p>
@@ -419,7 +419,7 @@
           <a:p>
             <a:fld id="{306B59E2-DA6D-487B-96A5-0C8E7410BF99}" type="datetimeFigureOut">
               <a:rPr lang="he-IL" smtClean="0"/>
-              <a:t>ג'/אלול/תש"ף</a:t>
+              <a:t>ט'/אב/תשפ"א</a:t>
             </a:fld>
             <a:endParaRPr lang="he-IL"/>
           </a:p>
@@ -599,7 +599,7 @@
           <a:p>
             <a:fld id="{306B59E2-DA6D-487B-96A5-0C8E7410BF99}" type="datetimeFigureOut">
               <a:rPr lang="he-IL" smtClean="0"/>
-              <a:t>ג'/אלול/תש"ף</a:t>
+              <a:t>ט'/אב/תשפ"א</a:t>
             </a:fld>
             <a:endParaRPr lang="he-IL"/>
           </a:p>
@@ -769,7 +769,7 @@
           <a:p>
             <a:fld id="{306B59E2-DA6D-487B-96A5-0C8E7410BF99}" type="datetimeFigureOut">
               <a:rPr lang="he-IL" smtClean="0"/>
-              <a:t>ג'/אלול/תש"ף</a:t>
+              <a:t>ט'/אב/תשפ"א</a:t>
             </a:fld>
             <a:endParaRPr lang="he-IL"/>
           </a:p>
@@ -1015,7 +1015,7 @@
           <a:p>
             <a:fld id="{306B59E2-DA6D-487B-96A5-0C8E7410BF99}" type="datetimeFigureOut">
               <a:rPr lang="he-IL" smtClean="0"/>
-              <a:t>ג'/אלול/תש"ף</a:t>
+              <a:t>ט'/אב/תשפ"א</a:t>
             </a:fld>
             <a:endParaRPr lang="he-IL"/>
           </a:p>
@@ -1247,7 +1247,7 @@
           <a:p>
             <a:fld id="{306B59E2-DA6D-487B-96A5-0C8E7410BF99}" type="datetimeFigureOut">
               <a:rPr lang="he-IL" smtClean="0"/>
-              <a:t>ג'/אלול/תש"ף</a:t>
+              <a:t>ט'/אב/תשפ"א</a:t>
             </a:fld>
             <a:endParaRPr lang="he-IL"/>
           </a:p>
@@ -1614,7 +1614,7 @@
           <a:p>
             <a:fld id="{306B59E2-DA6D-487B-96A5-0C8E7410BF99}" type="datetimeFigureOut">
               <a:rPr lang="he-IL" smtClean="0"/>
-              <a:t>ג'/אלול/תש"ף</a:t>
+              <a:t>ט'/אב/תשפ"א</a:t>
             </a:fld>
             <a:endParaRPr lang="he-IL"/>
           </a:p>
@@ -1732,7 +1732,7 @@
           <a:p>
             <a:fld id="{306B59E2-DA6D-487B-96A5-0C8E7410BF99}" type="datetimeFigureOut">
               <a:rPr lang="he-IL" smtClean="0"/>
-              <a:t>ג'/אלול/תש"ף</a:t>
+              <a:t>ט'/אב/תשפ"א</a:t>
             </a:fld>
             <a:endParaRPr lang="he-IL"/>
           </a:p>
@@ -1827,7 +1827,7 @@
           <a:p>
             <a:fld id="{306B59E2-DA6D-487B-96A5-0C8E7410BF99}" type="datetimeFigureOut">
               <a:rPr lang="he-IL" smtClean="0"/>
-              <a:t>ג'/אלול/תש"ף</a:t>
+              <a:t>ט'/אב/תשפ"א</a:t>
             </a:fld>
             <a:endParaRPr lang="he-IL"/>
           </a:p>
@@ -2104,7 +2104,7 @@
           <a:p>
             <a:fld id="{306B59E2-DA6D-487B-96A5-0C8E7410BF99}" type="datetimeFigureOut">
               <a:rPr lang="he-IL" smtClean="0"/>
-              <a:t>ג'/אלול/תש"ף</a:t>
+              <a:t>ט'/אב/תשפ"א</a:t>
             </a:fld>
             <a:endParaRPr lang="he-IL"/>
           </a:p>
@@ -2357,7 +2357,7 @@
           <a:p>
             <a:fld id="{306B59E2-DA6D-487B-96A5-0C8E7410BF99}" type="datetimeFigureOut">
               <a:rPr lang="he-IL" smtClean="0"/>
-              <a:t>ג'/אלול/תש"ף</a:t>
+              <a:t>ט'/אב/תשפ"א</a:t>
             </a:fld>
             <a:endParaRPr lang="he-IL"/>
           </a:p>
@@ -2573,7 +2573,7 @@
           <a:p>
             <a:fld id="{306B59E2-DA6D-487B-96A5-0C8E7410BF99}" type="datetimeFigureOut">
               <a:rPr lang="he-IL" smtClean="0"/>
-              <a:t>ג'/אלול/תש"ף</a:t>
+              <a:t>ט'/אב/תשפ"א</a:t>
             </a:fld>
             <a:endParaRPr lang="he-IL"/>
           </a:p>
@@ -3245,8 +3245,28 @@
                 <a:latin typeface="David" panose="020E0502060401010101" pitchFamily="34" charset="-79"/>
                 <a:cs typeface="David" panose="020E0502060401010101" pitchFamily="34" charset="-79"/>
               </a:rPr>
-              <a:t>להמשך ההנחיות לחץ על אחד הכפתורים בתיבה.</a:t>
-            </a:r>
+              <a:t>כשסיימת לקרוא,</a:t>
+            </a:r>
+          </a:p>
+          <a:p>
+            <a:pPr algn="ctr" rtl="1"/>
+            <a:r>
+              <a:rPr lang="he-IL" sz="1937" u="sng" dirty="0">
+                <a:solidFill>
+                  <a:schemeClr val="tx1"/>
+                </a:solidFill>
+                <a:latin typeface="David" panose="020E0502060401010101" pitchFamily="34" charset="-79"/>
+                <a:cs typeface="David" panose="020E0502060401010101" pitchFamily="34" charset="-79"/>
+              </a:rPr>
+              <a:t> לחץ/י על מקש רווח</a:t>
+            </a:r>
+            <a:endParaRPr lang="he-IL" sz="1937" dirty="0">
+              <a:solidFill>
+                <a:schemeClr val="tx1"/>
+              </a:solidFill>
+              <a:latin typeface="David" panose="020E0502060401010101" pitchFamily="34" charset="-79"/>
+              <a:cs typeface="David" panose="020E0502060401010101" pitchFamily="34" charset="-79"/>
+            </a:endParaRPr>
           </a:p>
         </p:txBody>
       </p:sp>
@@ -3343,17 +3363,17 @@
                 <a:latin typeface="David" panose="020E0502060401010101" pitchFamily="34" charset="-79"/>
                 <a:cs typeface="David" panose="020E0502060401010101" pitchFamily="34" charset="-79"/>
               </a:rPr>
-              <a:t>גם הפעם, בתחילת כל "צעד" יופיע במרכז המסך הסימן   </a:t>
-            </a:r>
-            <a:r>
-              <a:rPr lang="he-IL" sz="2643" dirty="0">
-                <a:solidFill>
-                  <a:schemeClr val="tx1"/>
-                </a:solidFill>
-                <a:latin typeface="David" panose="020E0502060401010101" pitchFamily="34" charset="-79"/>
-                <a:cs typeface="David" panose="020E0502060401010101" pitchFamily="34" charset="-79"/>
-              </a:rPr>
-              <a:t>+</a:t>
+              <a:t>גם הפעם, בתחילת כל "צעד" יופיע במרכז המסך הסימן </a:t>
+            </a:r>
+            <a:r>
+              <a:rPr lang="en-US" sz="1850" dirty="0">
+                <a:solidFill>
+                  <a:schemeClr val="tx1"/>
+                </a:solidFill>
+                <a:latin typeface="David" panose="020E0502060401010101" pitchFamily="34" charset="-79"/>
+                <a:cs typeface="David" panose="020E0502060401010101" pitchFamily="34" charset="-79"/>
+              </a:rPr>
+              <a:t>XXX</a:t>
             </a:r>
             <a:r>
               <a:rPr lang="he-IL" sz="1850" dirty="0">
@@ -3363,7 +3383,7 @@
                 <a:latin typeface="David" panose="020E0502060401010101" pitchFamily="34" charset="-79"/>
                 <a:cs typeface="David" panose="020E0502060401010101" pitchFamily="34" charset="-79"/>
               </a:rPr>
-              <a:t>   בו אתה מתבקש להתמקד.</a:t>
+              <a:t> בו אתה מתבקש להתמקד.</a:t>
             </a:r>
           </a:p>
           <a:p>
@@ -3380,15 +3400,18 @@
                 <a:latin typeface="David" panose="020E0502060401010101" pitchFamily="34" charset="-79"/>
                 <a:cs typeface="David" panose="020E0502060401010101" pitchFamily="34" charset="-79"/>
               </a:rPr>
-              <a:t>לאחר מכן ייעלם הסימן ומיד אחריו תשמע משפט.</a:t>
-            </a:r>
-          </a:p>
-          <a:p>
-            <a:pPr algn="ctr" rtl="1">
-              <a:lnSpc>
-                <a:spcPct val="150000"/>
-              </a:lnSpc>
-            </a:pPr>
+              <a:t>בתום השמעת המשפט, תופיע ספרה במרכז ה-</a:t>
+            </a:r>
+            <a:r>
+              <a:rPr lang="en-US" sz="1850" dirty="0">
+                <a:solidFill>
+                  <a:schemeClr val="tx1"/>
+                </a:solidFill>
+                <a:latin typeface="David" panose="020E0502060401010101" pitchFamily="34" charset="-79"/>
+                <a:cs typeface="David" panose="020E0502060401010101" pitchFamily="34" charset="-79"/>
+              </a:rPr>
+              <a:t>XXX</a:t>
+            </a:r>
             <a:r>
               <a:rPr lang="he-IL" sz="1850" dirty="0">
                 <a:solidFill>
@@ -3397,17 +3420,17 @@
                 <a:latin typeface="David" panose="020E0502060401010101" pitchFamily="34" charset="-79"/>
                 <a:cs typeface="David" panose="020E0502060401010101" pitchFamily="34" charset="-79"/>
               </a:rPr>
-              <a:t>בתום השמעת המשפט, תופיע </a:t>
-            </a:r>
-            <a:r>
-              <a:rPr lang="he-IL" sz="1850" b="1" dirty="0">
-                <a:solidFill>
-                  <a:schemeClr val="tx1"/>
-                </a:solidFill>
-                <a:latin typeface="David" panose="020E0502060401010101" pitchFamily="34" charset="-79"/>
-                <a:cs typeface="David" panose="020E0502060401010101" pitchFamily="34" charset="-79"/>
-              </a:rPr>
-              <a:t>ספרה</a:t>
+              <a:t> ואת\ה תתבקש\י להחליט האם הספרה זוגית (</a:t>
+            </a:r>
+            <a:r>
+              <a:rPr lang="he-IL" sz="1850" dirty="0" err="1">
+                <a:solidFill>
+                  <a:schemeClr val="tx1"/>
+                </a:solidFill>
+                <a:latin typeface="David" panose="020E0502060401010101" pitchFamily="34" charset="-79"/>
+                <a:cs typeface="David" panose="020E0502060401010101" pitchFamily="34" charset="-79"/>
+              </a:rPr>
+              <a:t>שיפט</a:t>
             </a:r>
             <a:r>
               <a:rPr lang="he-IL" sz="1850" dirty="0">
@@ -3417,17 +3440,17 @@
                 <a:latin typeface="David" panose="020E0502060401010101" pitchFamily="34" charset="-79"/>
                 <a:cs typeface="David" panose="020E0502060401010101" pitchFamily="34" charset="-79"/>
               </a:rPr>
-              <a:t> במרכז המסך, ואתה תתבקש להחליט האם הספרה </a:t>
-            </a:r>
-            <a:r>
-              <a:rPr lang="he-IL" sz="1850" b="1" dirty="0">
-                <a:solidFill>
-                  <a:schemeClr val="tx1"/>
-                </a:solidFill>
-                <a:latin typeface="David" panose="020E0502060401010101" pitchFamily="34" charset="-79"/>
-                <a:cs typeface="David" panose="020E0502060401010101" pitchFamily="34" charset="-79"/>
-              </a:rPr>
-              <a:t>זוגית</a:t>
+              <a:t> ימין) או אי-זוגית (</a:t>
+            </a:r>
+            <a:r>
+              <a:rPr lang="he-IL" sz="1850" dirty="0" err="1">
+                <a:solidFill>
+                  <a:schemeClr val="tx1"/>
+                </a:solidFill>
+                <a:latin typeface="David" panose="020E0502060401010101" pitchFamily="34" charset="-79"/>
+                <a:cs typeface="David" panose="020E0502060401010101" pitchFamily="34" charset="-79"/>
+              </a:rPr>
+              <a:t>שיפט</a:t>
             </a:r>
             <a:r>
               <a:rPr lang="he-IL" sz="1850" dirty="0">
@@ -3437,42 +3460,8 @@
                 <a:latin typeface="David" panose="020E0502060401010101" pitchFamily="34" charset="-79"/>
                 <a:cs typeface="David" panose="020E0502060401010101" pitchFamily="34" charset="-79"/>
               </a:rPr>
-              <a:t> או </a:t>
-            </a:r>
-            <a:r>
-              <a:rPr lang="he-IL" sz="1850" b="1" dirty="0">
-                <a:solidFill>
-                  <a:schemeClr val="tx1"/>
-                </a:solidFill>
-                <a:latin typeface="David" panose="020E0502060401010101" pitchFamily="34" charset="-79"/>
-                <a:cs typeface="David" panose="020E0502060401010101" pitchFamily="34" charset="-79"/>
-              </a:rPr>
-              <a:t>אי-זוגית</a:t>
-            </a:r>
-            <a:r>
-              <a:rPr lang="he-IL" sz="1850" dirty="0">
-                <a:solidFill>
-                  <a:schemeClr val="tx1"/>
-                </a:solidFill>
-                <a:latin typeface="David" panose="020E0502060401010101" pitchFamily="34" charset="-79"/>
-                <a:cs typeface="David" panose="020E0502060401010101" pitchFamily="34" charset="-79"/>
-              </a:rPr>
-              <a:t> על ידי לחיצה על המקש המתאים בתיבת התגובות באופן הבא:</a:t>
-            </a:r>
-          </a:p>
-          <a:p>
-            <a:pPr algn="ctr" rtl="1">
-              <a:lnSpc>
-                <a:spcPct val="150000"/>
-              </a:lnSpc>
-            </a:pPr>
-            <a:endParaRPr lang="he-IL" sz="1850" dirty="0">
-              <a:solidFill>
-                <a:schemeClr val="tx1"/>
-              </a:solidFill>
-              <a:latin typeface="David" panose="020E0502060401010101" pitchFamily="34" charset="-79"/>
-              <a:cs typeface="David" panose="020E0502060401010101" pitchFamily="34" charset="-79"/>
-            </a:endParaRPr>
+              <a:t> שמאל) על ידי לחיצה על המקש המתאים במקלדת באופן הבא:</a:t>
+            </a:r>
           </a:p>
           <a:p>
             <a:pPr algn="ctr" rtl="1">
@@ -3618,469 +3607,668 @@
                 <a:latin typeface="David" panose="020E0502060401010101" pitchFamily="34" charset="-79"/>
                 <a:cs typeface="David" panose="020E0502060401010101" pitchFamily="34" charset="-79"/>
               </a:rPr>
-              <a:t>להמשך ההנחיות לחץ על אחד הכפתורים בתיבה.</a:t>
-            </a:r>
-          </a:p>
-        </p:txBody>
-      </p:sp>
-      <p:grpSp>
-        <p:nvGrpSpPr>
-          <p:cNvPr id="6" name="Group 14"/>
-          <p:cNvGrpSpPr>
-            <a:grpSpLocks/>
-          </p:cNvGrpSpPr>
-          <p:nvPr/>
-        </p:nvGrpSpPr>
-        <p:grpSpPr bwMode="auto">
-          <a:xfrm>
-            <a:off x="3608665" y="2882003"/>
-            <a:ext cx="4986558" cy="2107842"/>
-            <a:chOff x="3016424" y="2794714"/>
-            <a:chExt cx="5077327" cy="2331941"/>
-          </a:xfrm>
-        </p:grpSpPr>
-        <p:pic>
-          <p:nvPicPr>
-            <p:cNvPr id="7" name="Picture 3"/>
-            <p:cNvPicPr>
-              <a:picLocks noChangeAspect="1"/>
-            </p:cNvPicPr>
-            <p:nvPr/>
-          </p:nvPicPr>
-          <p:blipFill>
-            <a:blip r:embed="rId2" cstate="print">
-              <a:extLst>
-                <a:ext uri="{28A0092B-C50C-407E-A947-70E740481C1C}">
-                  <a14:useLocalDpi xmlns:a14="http://schemas.microsoft.com/office/drawing/2010/main" val="0"/>
-                </a:ext>
-              </a:extLst>
-            </a:blip>
-            <a:srcRect t="9105" b="24956"/>
-            <a:stretch>
-              <a:fillRect/>
-            </a:stretch>
-          </p:blipFill>
-          <p:spPr bwMode="auto">
-            <a:xfrm>
-              <a:off x="3016424" y="2794714"/>
-              <a:ext cx="5077327" cy="1596981"/>
-            </a:xfrm>
-            <a:prstGeom prst="rect">
-              <a:avLst/>
-            </a:prstGeom>
-            <a:noFill/>
-            <a:ln>
-              <a:noFill/>
-            </a:ln>
-            <a:extLst>
-              <a:ext uri="{909E8E84-426E-40DD-AFC4-6F175D3DCCD1}">
-                <a14:hiddenFill xmlns:a14="http://schemas.microsoft.com/office/drawing/2010/main">
-                  <a:solidFill>
-                    <a:srgbClr val="FFFFFF"/>
-                  </a:solidFill>
-                </a14:hiddenFill>
-              </a:ext>
-              <a:ext uri="{91240B29-F687-4F45-9708-019B960494DF}">
-                <a14:hiddenLine xmlns:a14="http://schemas.microsoft.com/office/drawing/2010/main" w="9525">
-                  <a:solidFill>
-                    <a:srgbClr val="000000"/>
-                  </a:solidFill>
-                  <a:miter lim="800000"/>
-                  <a:headEnd/>
-                  <a:tailEnd/>
-                </a14:hiddenLine>
-              </a:ext>
-            </a:extLst>
-          </p:spPr>
-        </p:pic>
-        <p:cxnSp>
-          <p:nvCxnSpPr>
-            <p:cNvPr id="8" name="Straight Arrow Connector 7"/>
-            <p:cNvCxnSpPr/>
-            <p:nvPr/>
-          </p:nvCxnSpPr>
-          <p:spPr>
-            <a:xfrm>
-              <a:off x="6599766" y="4263091"/>
-              <a:ext cx="381038" cy="463531"/>
-            </a:xfrm>
-            <a:prstGeom prst="straightConnector1">
-              <a:avLst/>
-            </a:prstGeom>
-            <a:ln w="38100">
+              <a:t>כשסיימת לקרוא,</a:t>
+            </a:r>
+          </a:p>
+          <a:p>
+            <a:pPr algn="ctr" rtl="1"/>
+            <a:r>
+              <a:rPr lang="he-IL" sz="1937" u="sng" dirty="0">
+                <a:solidFill>
+                  <a:schemeClr val="tx1"/>
+                </a:solidFill>
+                <a:latin typeface="David" panose="020E0502060401010101" pitchFamily="34" charset="-79"/>
+                <a:cs typeface="David" panose="020E0502060401010101" pitchFamily="34" charset="-79"/>
+              </a:rPr>
+              <a:t> לחץ/י על מקש רווח</a:t>
+            </a:r>
+            <a:endParaRPr lang="he-IL" sz="1937" dirty="0">
               <a:solidFill>
                 <a:schemeClr val="tx1"/>
               </a:solidFill>
-              <a:tailEnd type="triangle"/>
-            </a:ln>
-          </p:spPr>
-          <p:style>
-            <a:lnRef idx="1">
-              <a:schemeClr val="accent1"/>
-            </a:lnRef>
-            <a:fillRef idx="0">
-              <a:schemeClr val="accent1"/>
-            </a:fillRef>
-            <a:effectRef idx="0">
-              <a:schemeClr val="accent1"/>
-            </a:effectRef>
-            <a:fontRef idx="minor">
-              <a:schemeClr val="tx1"/>
-            </a:fontRef>
-          </p:style>
-        </p:cxnSp>
-        <p:cxnSp>
-          <p:nvCxnSpPr>
-            <p:cNvPr id="9" name="Straight Arrow Connector 8"/>
-            <p:cNvCxnSpPr/>
-            <p:nvPr/>
-          </p:nvCxnSpPr>
-          <p:spPr>
-            <a:xfrm flipH="1">
-              <a:off x="3992834" y="4263091"/>
-              <a:ext cx="392151" cy="463531"/>
-            </a:xfrm>
-            <a:prstGeom prst="straightConnector1">
-              <a:avLst/>
-            </a:prstGeom>
-            <a:ln w="38100">
-              <a:solidFill>
-                <a:schemeClr val="tx1"/>
-              </a:solidFill>
-              <a:tailEnd type="triangle"/>
-            </a:ln>
-          </p:spPr>
-          <p:style>
-            <a:lnRef idx="1">
-              <a:schemeClr val="accent1"/>
-            </a:lnRef>
-            <a:fillRef idx="0">
-              <a:schemeClr val="accent1"/>
-            </a:fillRef>
-            <a:effectRef idx="0">
-              <a:schemeClr val="accent1"/>
-            </a:effectRef>
-            <a:fontRef idx="minor">
-              <a:schemeClr val="tx1"/>
-            </a:fontRef>
-          </p:style>
-        </p:cxnSp>
-        <p:sp>
-          <p:nvSpPr>
-            <p:cNvPr id="10" name="TextBox 12"/>
-            <p:cNvSpPr txBox="1">
-              <a:spLocks noChangeArrowheads="1"/>
-            </p:cNvSpPr>
-            <p:nvPr/>
-          </p:nvSpPr>
-          <p:spPr bwMode="auto">
-            <a:xfrm>
-              <a:off x="6599802" y="4726545"/>
-              <a:ext cx="1133341" cy="400110"/>
-            </a:xfrm>
-            <a:prstGeom prst="rect">
-              <a:avLst/>
-            </a:prstGeom>
-            <a:noFill/>
-            <a:ln>
-              <a:noFill/>
-            </a:ln>
+              <a:latin typeface="David" panose="020E0502060401010101" pitchFamily="34" charset="-79"/>
+              <a:cs typeface="David" panose="020E0502060401010101" pitchFamily="34" charset="-79"/>
+            </a:endParaRPr>
+          </a:p>
+        </p:txBody>
+      </p:sp>
+      <p:grpSp>
+        <p:nvGrpSpPr>
+          <p:cNvPr id="23" name="Group 22">
             <a:extLst>
-              <a:ext uri="{909E8E84-426E-40DD-AFC4-6F175D3DCCD1}">
-                <a14:hiddenFill xmlns:a14="http://schemas.microsoft.com/office/drawing/2010/main">
-                  <a:solidFill>
-                    <a:srgbClr val="FFFFFF"/>
-                  </a:solidFill>
-                </a14:hiddenFill>
-              </a:ext>
-              <a:ext uri="{91240B29-F687-4F45-9708-019B960494DF}">
-                <a14:hiddenLine xmlns:a14="http://schemas.microsoft.com/office/drawing/2010/main" w="9525">
-                  <a:solidFill>
-                    <a:srgbClr val="000000"/>
-                  </a:solidFill>
-                  <a:miter lim="800000"/>
-                  <a:headEnd/>
-                  <a:tailEnd/>
-                </a14:hiddenLine>
+              <a:ext uri="{FF2B5EF4-FFF2-40B4-BE49-F238E27FC236}">
+                <a16:creationId xmlns:a16="http://schemas.microsoft.com/office/drawing/2014/main" id="{B5E70814-3802-43DD-B035-27313DD180A9}"/>
               </a:ext>
             </a:extLst>
-          </p:spPr>
-          <p:txBody>
-            <a:bodyPr>
-              <a:spAutoFit/>
-            </a:bodyPr>
-            <a:lstStyle>
-              <a:lvl1pPr>
-                <a:defRPr>
-                  <a:solidFill>
-                    <a:schemeClr val="tx1"/>
-                  </a:solidFill>
-                  <a:latin typeface="Calibri" panose="020F0502020204030204" pitchFamily="34" charset="0"/>
-                </a:defRPr>
-              </a:lvl1pPr>
-              <a:lvl2pPr marL="742950" indent="-285750">
-                <a:defRPr>
-                  <a:solidFill>
-                    <a:schemeClr val="tx1"/>
-                  </a:solidFill>
-                  <a:latin typeface="Calibri" panose="020F0502020204030204" pitchFamily="34" charset="0"/>
-                </a:defRPr>
-              </a:lvl2pPr>
-              <a:lvl3pPr marL="1143000" indent="-228600">
-                <a:defRPr>
-                  <a:solidFill>
-                    <a:schemeClr val="tx1"/>
-                  </a:solidFill>
-                  <a:latin typeface="Calibri" panose="020F0502020204030204" pitchFamily="34" charset="0"/>
-                </a:defRPr>
-              </a:lvl3pPr>
-              <a:lvl4pPr marL="1600200" indent="-228600">
-                <a:defRPr>
-                  <a:solidFill>
-                    <a:schemeClr val="tx1"/>
-                  </a:solidFill>
-                  <a:latin typeface="Calibri" panose="020F0502020204030204" pitchFamily="34" charset="0"/>
-                </a:defRPr>
-              </a:lvl4pPr>
-              <a:lvl5pPr marL="2057400" indent="-228600">
-                <a:defRPr>
-                  <a:solidFill>
-                    <a:schemeClr val="tx1"/>
-                  </a:solidFill>
-                  <a:latin typeface="Calibri" panose="020F0502020204030204" pitchFamily="34" charset="0"/>
-                </a:defRPr>
-              </a:lvl5pPr>
-              <a:lvl6pPr marL="2514600" indent="-228600" fontAlgn="base">
-                <a:spcBef>
-                  <a:spcPct val="0"/>
-                </a:spcBef>
-                <a:spcAft>
-                  <a:spcPct val="0"/>
-                </a:spcAft>
-                <a:defRPr>
-                  <a:solidFill>
-                    <a:schemeClr val="tx1"/>
-                  </a:solidFill>
-                  <a:latin typeface="Calibri" panose="020F0502020204030204" pitchFamily="34" charset="0"/>
-                </a:defRPr>
-              </a:lvl6pPr>
-              <a:lvl7pPr marL="2971800" indent="-228600" fontAlgn="base">
-                <a:spcBef>
-                  <a:spcPct val="0"/>
-                </a:spcBef>
-                <a:spcAft>
-                  <a:spcPct val="0"/>
-                </a:spcAft>
-                <a:defRPr>
-                  <a:solidFill>
-                    <a:schemeClr val="tx1"/>
-                  </a:solidFill>
-                  <a:latin typeface="Calibri" panose="020F0502020204030204" pitchFamily="34" charset="0"/>
-                </a:defRPr>
-              </a:lvl7pPr>
-              <a:lvl8pPr marL="3429000" indent="-228600" fontAlgn="base">
-                <a:spcBef>
-                  <a:spcPct val="0"/>
-                </a:spcBef>
-                <a:spcAft>
-                  <a:spcPct val="0"/>
-                </a:spcAft>
-                <a:defRPr>
-                  <a:solidFill>
-                    <a:schemeClr val="tx1"/>
-                  </a:solidFill>
-                  <a:latin typeface="Calibri" panose="020F0502020204030204" pitchFamily="34" charset="0"/>
-                </a:defRPr>
-              </a:lvl8pPr>
-              <a:lvl9pPr marL="3886200" indent="-228600" fontAlgn="base">
-                <a:spcBef>
-                  <a:spcPct val="0"/>
-                </a:spcBef>
-                <a:spcAft>
-                  <a:spcPct val="0"/>
-                </a:spcAft>
-                <a:defRPr>
-                  <a:solidFill>
-                    <a:schemeClr val="tx1"/>
-                  </a:solidFill>
-                  <a:latin typeface="Calibri" panose="020F0502020204030204" pitchFamily="34" charset="0"/>
-                </a:defRPr>
-              </a:lvl9pPr>
-            </a:lstStyle>
-            <a:p>
-              <a:pPr algn="ctr" eaLnBrk="1" hangingPunct="1"/>
-              <a:r>
-                <a:rPr lang="he-IL" altLang="en-US" sz="2000" b="1">
+          </p:cNvPr>
+          <p:cNvGrpSpPr/>
+          <p:nvPr/>
+        </p:nvGrpSpPr>
+        <p:grpSpPr>
+          <a:xfrm>
+            <a:off x="2569827" y="2793535"/>
+            <a:ext cx="7052346" cy="2314424"/>
+            <a:chOff x="2691162" y="2710547"/>
+            <a:chExt cx="6796977" cy="2286103"/>
+          </a:xfrm>
+        </p:grpSpPr>
+        <p:grpSp>
+          <p:nvGrpSpPr>
+            <p:cNvPr id="2" name="Group 1">
+              <a:extLst>
+                <a:ext uri="{FF2B5EF4-FFF2-40B4-BE49-F238E27FC236}">
+                  <a16:creationId xmlns:a16="http://schemas.microsoft.com/office/drawing/2014/main" id="{231431C5-4F5F-49EF-B645-A6AB73E0403E}"/>
+                </a:ext>
+              </a:extLst>
+            </p:cNvPr>
+            <p:cNvGrpSpPr/>
+            <p:nvPr/>
+          </p:nvGrpSpPr>
+          <p:grpSpPr>
+            <a:xfrm>
+              <a:off x="3827895" y="2710547"/>
+              <a:ext cx="4536209" cy="1814944"/>
+              <a:chOff x="3796145" y="2817092"/>
+              <a:chExt cx="4536209" cy="1814944"/>
+            </a:xfrm>
+          </p:grpSpPr>
+          <p:pic>
+            <p:nvPicPr>
+              <p:cNvPr id="15" name="Picture 14">
+                <a:extLst>
+                  <a:ext uri="{FF2B5EF4-FFF2-40B4-BE49-F238E27FC236}">
+                    <a16:creationId xmlns:a16="http://schemas.microsoft.com/office/drawing/2014/main" id="{1C207A6D-451A-4079-B707-1386B2F90BFE}"/>
+                  </a:ext>
+                </a:extLst>
+              </p:cNvPr>
+              <p:cNvPicPr>
+                <a:picLocks noChangeAspect="1"/>
+              </p:cNvPicPr>
+              <p:nvPr/>
+            </p:nvPicPr>
+            <p:blipFill>
+              <a:blip r:embed="rId2"/>
+              <a:stretch>
+                <a:fillRect/>
+              </a:stretch>
+            </p:blipFill>
+            <p:spPr>
+              <a:xfrm>
+                <a:off x="3859646" y="2817092"/>
+                <a:ext cx="4472708" cy="1814944"/>
+              </a:xfrm>
+              <a:prstGeom prst="rect">
+                <a:avLst/>
+              </a:prstGeom>
+            </p:spPr>
+          </p:pic>
+          <p:sp>
+            <p:nvSpPr>
+              <p:cNvPr id="16" name="Rectangle 15">
+                <a:extLst>
+                  <a:ext uri="{FF2B5EF4-FFF2-40B4-BE49-F238E27FC236}">
+                    <a16:creationId xmlns:a16="http://schemas.microsoft.com/office/drawing/2014/main" id="{ED7F5BC9-9293-4BCE-8627-E8C198F3B9D0}"/>
+                  </a:ext>
+                </a:extLst>
+              </p:cNvPr>
+              <p:cNvSpPr/>
+              <p:nvPr/>
+            </p:nvSpPr>
+            <p:spPr>
+              <a:xfrm>
+                <a:off x="3796145" y="3980873"/>
+                <a:ext cx="738910" cy="341745"/>
+              </a:xfrm>
+              <a:prstGeom prst="rect">
+                <a:avLst/>
+              </a:prstGeom>
+              <a:solidFill>
+                <a:srgbClr val="FFFF00">
+                  <a:alpha val="18039"/>
+                </a:srgbClr>
+              </a:solidFill>
+              <a:ln w="28575">
+                <a:solidFill>
+                  <a:srgbClr val="FF0000"/>
+                </a:solidFill>
+              </a:ln>
+            </p:spPr>
+            <p:style>
+              <a:lnRef idx="2">
+                <a:schemeClr val="accent1">
+                  <a:shade val="50000"/>
+                </a:schemeClr>
+              </a:lnRef>
+              <a:fillRef idx="1">
+                <a:schemeClr val="accent1"/>
+              </a:fillRef>
+              <a:effectRef idx="0">
+                <a:schemeClr val="accent1"/>
+              </a:effectRef>
+              <a:fontRef idx="minor">
+                <a:schemeClr val="lt1"/>
+              </a:fontRef>
+            </p:style>
+            <p:txBody>
+              <a:bodyPr rtlCol="0" anchor="ctr"/>
+              <a:lstStyle/>
+              <a:p>
+                <a:pPr algn="ctr"/>
+                <a:endParaRPr lang="LID4096"/>
+              </a:p>
+            </p:txBody>
+          </p:sp>
+          <p:sp>
+            <p:nvSpPr>
+              <p:cNvPr id="17" name="Rectangle 16">
+                <a:extLst>
+                  <a:ext uri="{FF2B5EF4-FFF2-40B4-BE49-F238E27FC236}">
+                    <a16:creationId xmlns:a16="http://schemas.microsoft.com/office/drawing/2014/main" id="{25989471-95C6-4479-8D96-6EB977DCEFDF}"/>
+                  </a:ext>
+                </a:extLst>
+              </p:cNvPr>
+              <p:cNvSpPr/>
+              <p:nvPr/>
+            </p:nvSpPr>
+            <p:spPr>
+              <a:xfrm>
+                <a:off x="7593444" y="3915160"/>
+                <a:ext cx="738910" cy="341745"/>
+              </a:xfrm>
+              <a:prstGeom prst="rect">
+                <a:avLst/>
+              </a:prstGeom>
+              <a:solidFill>
+                <a:srgbClr val="FFFF00">
+                  <a:alpha val="18039"/>
+                </a:srgbClr>
+              </a:solidFill>
+              <a:ln w="28575">
+                <a:solidFill>
+                  <a:srgbClr val="FF0000"/>
+                </a:solidFill>
+              </a:ln>
+            </p:spPr>
+            <p:style>
+              <a:lnRef idx="2">
+                <a:schemeClr val="accent1">
+                  <a:shade val="50000"/>
+                </a:schemeClr>
+              </a:lnRef>
+              <a:fillRef idx="1">
+                <a:schemeClr val="accent1"/>
+              </a:fillRef>
+              <a:effectRef idx="0">
+                <a:schemeClr val="accent1"/>
+              </a:effectRef>
+              <a:fontRef idx="minor">
+                <a:schemeClr val="lt1"/>
+              </a:fontRef>
+            </p:style>
+            <p:txBody>
+              <a:bodyPr rtlCol="0" anchor="ctr"/>
+              <a:lstStyle/>
+              <a:p>
+                <a:pPr algn="ctr"/>
+                <a:endParaRPr lang="LID4096"/>
+              </a:p>
+            </p:txBody>
+          </p:sp>
+        </p:grpSp>
+        <p:grpSp>
+          <p:nvGrpSpPr>
+            <p:cNvPr id="3" name="Group 2">
+              <a:extLst>
+                <a:ext uri="{FF2B5EF4-FFF2-40B4-BE49-F238E27FC236}">
+                  <a16:creationId xmlns:a16="http://schemas.microsoft.com/office/drawing/2014/main" id="{643D0878-347E-4036-B99A-4239FB634C41}"/>
+                </a:ext>
+              </a:extLst>
+            </p:cNvPr>
+            <p:cNvGrpSpPr/>
+            <p:nvPr/>
+          </p:nvGrpSpPr>
+          <p:grpSpPr>
+            <a:xfrm>
+              <a:off x="2691162" y="4216073"/>
+              <a:ext cx="1113422" cy="780577"/>
+              <a:chOff x="2141493" y="4206065"/>
+              <a:chExt cx="1113422" cy="780577"/>
+            </a:xfrm>
+          </p:grpSpPr>
+          <p:cxnSp>
+            <p:nvCxnSpPr>
+              <p:cNvPr id="18" name="Straight Arrow Connector 17">
+                <a:extLst>
+                  <a:ext uri="{FF2B5EF4-FFF2-40B4-BE49-F238E27FC236}">
+                    <a16:creationId xmlns:a16="http://schemas.microsoft.com/office/drawing/2014/main" id="{59F91F91-695A-42DD-A265-103312E6282B}"/>
+                  </a:ext>
+                </a:extLst>
+              </p:cNvPr>
+              <p:cNvCxnSpPr/>
+              <p:nvPr/>
+            </p:nvCxnSpPr>
+            <p:spPr bwMode="auto">
+              <a:xfrm flipH="1">
+                <a:off x="2869775" y="4206065"/>
+                <a:ext cx="385140" cy="418986"/>
+              </a:xfrm>
+              <a:prstGeom prst="straightConnector1">
+                <a:avLst/>
+              </a:prstGeom>
+              <a:ln w="38100">
+                <a:solidFill>
+                  <a:schemeClr val="tx1"/>
+                </a:solidFill>
+                <a:tailEnd type="triangle"/>
+              </a:ln>
+            </p:spPr>
+            <p:style>
+              <a:lnRef idx="1">
+                <a:schemeClr val="accent1"/>
+              </a:lnRef>
+              <a:fillRef idx="0">
+                <a:schemeClr val="accent1"/>
+              </a:fillRef>
+              <a:effectRef idx="0">
+                <a:schemeClr val="accent1"/>
+              </a:effectRef>
+              <a:fontRef idx="minor">
+                <a:schemeClr val="tx1"/>
+              </a:fontRef>
+            </p:style>
+          </p:cxnSp>
+          <p:sp>
+            <p:nvSpPr>
+              <p:cNvPr id="19" name="TextBox 13">
+                <a:extLst>
+                  <a:ext uri="{FF2B5EF4-FFF2-40B4-BE49-F238E27FC236}">
+                    <a16:creationId xmlns:a16="http://schemas.microsoft.com/office/drawing/2014/main" id="{6ACC2FBB-72F5-46DA-858C-F663C14CE01A}"/>
+                  </a:ext>
+                </a:extLst>
+              </p:cNvPr>
+              <p:cNvSpPr txBox="1">
+                <a:spLocks noChangeArrowheads="1"/>
+              </p:cNvSpPr>
+              <p:nvPr/>
+            </p:nvSpPr>
+            <p:spPr bwMode="auto">
+              <a:xfrm>
+                <a:off x="2141493" y="4624982"/>
+                <a:ext cx="1113080" cy="361660"/>
+              </a:xfrm>
+              <a:prstGeom prst="rect">
+                <a:avLst/>
+              </a:prstGeom>
+              <a:noFill/>
+              <a:ln>
+                <a:noFill/>
+              </a:ln>
+              <a:extLst>
+                <a:ext uri="{909E8E84-426E-40DD-AFC4-6F175D3DCCD1}">
+                  <a14:hiddenFill xmlns:a14="http://schemas.microsoft.com/office/drawing/2010/main">
+                    <a:solidFill>
+                      <a:srgbClr val="FFFFFF"/>
+                    </a:solidFill>
+                  </a14:hiddenFill>
+                </a:ext>
+                <a:ext uri="{91240B29-F687-4F45-9708-019B960494DF}">
+                  <a14:hiddenLine xmlns:a14="http://schemas.microsoft.com/office/drawing/2010/main" w="9525">
+                    <a:solidFill>
+                      <a:srgbClr val="000000"/>
+                    </a:solidFill>
+                    <a:miter lim="800000"/>
+                    <a:headEnd/>
+                    <a:tailEnd/>
+                  </a14:hiddenLine>
+                </a:ext>
+              </a:extLst>
+            </p:spPr>
+            <p:txBody>
+              <a:bodyPr>
+                <a:spAutoFit/>
+              </a:bodyPr>
+              <a:lstStyle>
+                <a:lvl1pPr>
+                  <a:defRPr>
+                    <a:solidFill>
+                      <a:schemeClr val="tx1"/>
+                    </a:solidFill>
+                    <a:latin typeface="Calibri" panose="020F0502020204030204" pitchFamily="34" charset="0"/>
+                  </a:defRPr>
+                </a:lvl1pPr>
+                <a:lvl2pPr marL="742950" indent="-285750">
+                  <a:defRPr>
+                    <a:solidFill>
+                      <a:schemeClr val="tx1"/>
+                    </a:solidFill>
+                    <a:latin typeface="Calibri" panose="020F0502020204030204" pitchFamily="34" charset="0"/>
+                  </a:defRPr>
+                </a:lvl2pPr>
+                <a:lvl3pPr marL="1143000" indent="-228600">
+                  <a:defRPr>
+                    <a:solidFill>
+                      <a:schemeClr val="tx1"/>
+                    </a:solidFill>
+                    <a:latin typeface="Calibri" panose="020F0502020204030204" pitchFamily="34" charset="0"/>
+                  </a:defRPr>
+                </a:lvl3pPr>
+                <a:lvl4pPr marL="1600200" indent="-228600">
+                  <a:defRPr>
+                    <a:solidFill>
+                      <a:schemeClr val="tx1"/>
+                    </a:solidFill>
+                    <a:latin typeface="Calibri" panose="020F0502020204030204" pitchFamily="34" charset="0"/>
+                  </a:defRPr>
+                </a:lvl4pPr>
+                <a:lvl5pPr marL="2057400" indent="-228600">
+                  <a:defRPr>
+                    <a:solidFill>
+                      <a:schemeClr val="tx1"/>
+                    </a:solidFill>
+                    <a:latin typeface="Calibri" panose="020F0502020204030204" pitchFamily="34" charset="0"/>
+                  </a:defRPr>
+                </a:lvl5pPr>
+                <a:lvl6pPr marL="2514600" indent="-228600" fontAlgn="base">
+                  <a:spcBef>
+                    <a:spcPct val="0"/>
+                  </a:spcBef>
+                  <a:spcAft>
+                    <a:spcPct val="0"/>
+                  </a:spcAft>
+                  <a:defRPr>
+                    <a:solidFill>
+                      <a:schemeClr val="tx1"/>
+                    </a:solidFill>
+                    <a:latin typeface="Calibri" panose="020F0502020204030204" pitchFamily="34" charset="0"/>
+                  </a:defRPr>
+                </a:lvl6pPr>
+                <a:lvl7pPr marL="2971800" indent="-228600" fontAlgn="base">
+                  <a:spcBef>
+                    <a:spcPct val="0"/>
+                  </a:spcBef>
+                  <a:spcAft>
+                    <a:spcPct val="0"/>
+                  </a:spcAft>
+                  <a:defRPr>
+                    <a:solidFill>
+                      <a:schemeClr val="tx1"/>
+                    </a:solidFill>
+                    <a:latin typeface="Calibri" panose="020F0502020204030204" pitchFamily="34" charset="0"/>
+                  </a:defRPr>
+                </a:lvl7pPr>
+                <a:lvl8pPr marL="3429000" indent="-228600" fontAlgn="base">
+                  <a:spcBef>
+                    <a:spcPct val="0"/>
+                  </a:spcBef>
+                  <a:spcAft>
+                    <a:spcPct val="0"/>
+                  </a:spcAft>
+                  <a:defRPr>
+                    <a:solidFill>
+                      <a:schemeClr val="tx1"/>
+                    </a:solidFill>
+                    <a:latin typeface="Calibri" panose="020F0502020204030204" pitchFamily="34" charset="0"/>
+                  </a:defRPr>
+                </a:lvl8pPr>
+                <a:lvl9pPr marL="3886200" indent="-228600" fontAlgn="base">
+                  <a:spcBef>
+                    <a:spcPct val="0"/>
+                  </a:spcBef>
+                  <a:spcAft>
+                    <a:spcPct val="0"/>
+                  </a:spcAft>
+                  <a:defRPr>
+                    <a:solidFill>
+                      <a:schemeClr val="tx1"/>
+                    </a:solidFill>
+                    <a:latin typeface="Calibri" panose="020F0502020204030204" pitchFamily="34" charset="0"/>
+                  </a:defRPr>
+                </a:lvl9pPr>
+              </a:lstStyle>
+              <a:p>
+                <a:pPr algn="ctr" eaLnBrk="1" hangingPunct="1"/>
+                <a:r>
+                  <a:rPr lang="he-IL" altLang="en-US" sz="2000" b="1" dirty="0">
+                    <a:latin typeface="David" panose="020E0502060401010101" pitchFamily="34" charset="-79"/>
+                    <a:cs typeface="David" panose="020E0502060401010101" pitchFamily="34" charset="-79"/>
+                  </a:rPr>
+                  <a:t>אי-זוגית</a:t>
+                </a:r>
+                <a:endParaRPr lang="en-US" altLang="en-US" sz="2000" b="1" dirty="0">
                   <a:latin typeface="David" panose="020E0502060401010101" pitchFamily="34" charset="-79"/>
                   <a:cs typeface="David" panose="020E0502060401010101" pitchFamily="34" charset="-79"/>
-                </a:rPr>
-                <a:t>זוגית</a:t>
-              </a:r>
-              <a:endParaRPr lang="en-US" altLang="en-US" sz="2000" b="1">
-                <a:latin typeface="David" panose="020E0502060401010101" pitchFamily="34" charset="-79"/>
-                <a:cs typeface="David" panose="020E0502060401010101" pitchFamily="34" charset="-79"/>
-              </a:endParaRPr>
-            </a:p>
-          </p:txBody>
-        </p:sp>
-        <p:sp>
-          <p:nvSpPr>
-            <p:cNvPr id="11" name="TextBox 13"/>
-            <p:cNvSpPr txBox="1">
-              <a:spLocks noChangeArrowheads="1"/>
-            </p:cNvSpPr>
+                </a:endParaRPr>
+              </a:p>
+            </p:txBody>
+          </p:sp>
+        </p:grpSp>
+        <p:grpSp>
+          <p:nvGrpSpPr>
+            <p:cNvPr id="22" name="Group 21">
+              <a:extLst>
+                <a:ext uri="{FF2B5EF4-FFF2-40B4-BE49-F238E27FC236}">
+                  <a16:creationId xmlns:a16="http://schemas.microsoft.com/office/drawing/2014/main" id="{83F53894-21DE-4CF0-A68D-FC09385B81DE}"/>
+                </a:ext>
+              </a:extLst>
+            </p:cNvPr>
+            <p:cNvGrpSpPr/>
             <p:nvPr/>
-          </p:nvSpPr>
-          <p:spPr bwMode="auto">
+          </p:nvGrpSpPr>
+          <p:grpSpPr>
             <a:xfrm>
-              <a:off x="3251295" y="4726545"/>
-              <a:ext cx="1133341" cy="400110"/>
+              <a:off x="8375023" y="4203120"/>
+              <a:ext cx="1113116" cy="780576"/>
+              <a:chOff x="7127946" y="4209270"/>
+              <a:chExt cx="1113116" cy="780576"/>
             </a:xfrm>
-            <a:prstGeom prst="rect">
-              <a:avLst/>
-            </a:prstGeom>
-            <a:noFill/>
-            <a:ln>
+          </p:grpSpPr>
+          <p:cxnSp>
+            <p:nvCxnSpPr>
+              <p:cNvPr id="20" name="Straight Arrow Connector 19">
+                <a:extLst>
+                  <a:ext uri="{FF2B5EF4-FFF2-40B4-BE49-F238E27FC236}">
+                    <a16:creationId xmlns:a16="http://schemas.microsoft.com/office/drawing/2014/main" id="{89028071-05C0-44E9-83FF-9E6051C276E9}"/>
+                  </a:ext>
+                </a:extLst>
+              </p:cNvPr>
+              <p:cNvCxnSpPr/>
+              <p:nvPr/>
+            </p:nvCxnSpPr>
+            <p:spPr bwMode="auto">
+              <a:xfrm>
+                <a:off x="7127946" y="4209270"/>
+                <a:ext cx="374226" cy="418986"/>
+              </a:xfrm>
+              <a:prstGeom prst="straightConnector1">
+                <a:avLst/>
+              </a:prstGeom>
+              <a:ln w="38100">
+                <a:solidFill>
+                  <a:schemeClr val="tx1"/>
+                </a:solidFill>
+                <a:tailEnd type="triangle"/>
+              </a:ln>
+            </p:spPr>
+            <p:style>
+              <a:lnRef idx="1">
+                <a:schemeClr val="accent1"/>
+              </a:lnRef>
+              <a:fillRef idx="0">
+                <a:schemeClr val="accent1"/>
+              </a:fillRef>
+              <a:effectRef idx="0">
+                <a:schemeClr val="accent1"/>
+              </a:effectRef>
+              <a:fontRef idx="minor">
+                <a:schemeClr val="tx1"/>
+              </a:fontRef>
+            </p:style>
+          </p:cxnSp>
+          <p:sp>
+            <p:nvSpPr>
+              <p:cNvPr id="21" name="TextBox 12">
+                <a:extLst>
+                  <a:ext uri="{FF2B5EF4-FFF2-40B4-BE49-F238E27FC236}">
+                    <a16:creationId xmlns:a16="http://schemas.microsoft.com/office/drawing/2014/main" id="{430B776C-D737-4B0C-9BA6-F2B387BE4DB3}"/>
+                  </a:ext>
+                </a:extLst>
+              </p:cNvPr>
+              <p:cNvSpPr txBox="1">
+                <a:spLocks noChangeArrowheads="1"/>
+              </p:cNvSpPr>
+              <p:nvPr/>
+            </p:nvSpPr>
+            <p:spPr bwMode="auto">
+              <a:xfrm>
+                <a:off x="7127982" y="4628186"/>
+                <a:ext cx="1113080" cy="361660"/>
+              </a:xfrm>
+              <a:prstGeom prst="rect">
+                <a:avLst/>
+              </a:prstGeom>
               <a:noFill/>
-            </a:ln>
-            <a:extLst>
-              <a:ext uri="{909E8E84-426E-40DD-AFC4-6F175D3DCCD1}">
-                <a14:hiddenFill xmlns:a14="http://schemas.microsoft.com/office/drawing/2010/main">
-                  <a:solidFill>
-                    <a:srgbClr val="FFFFFF"/>
-                  </a:solidFill>
-                </a14:hiddenFill>
-              </a:ext>
-              <a:ext uri="{91240B29-F687-4F45-9708-019B960494DF}">
-                <a14:hiddenLine xmlns:a14="http://schemas.microsoft.com/office/drawing/2010/main" w="9525">
-                  <a:solidFill>
-                    <a:srgbClr val="000000"/>
-                  </a:solidFill>
-                  <a:miter lim="800000"/>
-                  <a:headEnd/>
-                  <a:tailEnd/>
-                </a14:hiddenLine>
-              </a:ext>
-            </a:extLst>
-          </p:spPr>
-          <p:txBody>
-            <a:bodyPr>
-              <a:spAutoFit/>
-            </a:bodyPr>
-            <a:lstStyle>
-              <a:lvl1pPr>
-                <a:defRPr>
-                  <a:solidFill>
-                    <a:schemeClr val="tx1"/>
-                  </a:solidFill>
-                  <a:latin typeface="Calibri" panose="020F0502020204030204" pitchFamily="34" charset="0"/>
-                </a:defRPr>
-              </a:lvl1pPr>
-              <a:lvl2pPr marL="742950" indent="-285750">
-                <a:defRPr>
-                  <a:solidFill>
-                    <a:schemeClr val="tx1"/>
-                  </a:solidFill>
-                  <a:latin typeface="Calibri" panose="020F0502020204030204" pitchFamily="34" charset="0"/>
-                </a:defRPr>
-              </a:lvl2pPr>
-              <a:lvl3pPr marL="1143000" indent="-228600">
-                <a:defRPr>
-                  <a:solidFill>
-                    <a:schemeClr val="tx1"/>
-                  </a:solidFill>
-                  <a:latin typeface="Calibri" panose="020F0502020204030204" pitchFamily="34" charset="0"/>
-                </a:defRPr>
-              </a:lvl3pPr>
-              <a:lvl4pPr marL="1600200" indent="-228600">
-                <a:defRPr>
-                  <a:solidFill>
-                    <a:schemeClr val="tx1"/>
-                  </a:solidFill>
-                  <a:latin typeface="Calibri" panose="020F0502020204030204" pitchFamily="34" charset="0"/>
-                </a:defRPr>
-              </a:lvl4pPr>
-              <a:lvl5pPr marL="2057400" indent="-228600">
-                <a:defRPr>
-                  <a:solidFill>
-                    <a:schemeClr val="tx1"/>
-                  </a:solidFill>
-                  <a:latin typeface="Calibri" panose="020F0502020204030204" pitchFamily="34" charset="0"/>
-                </a:defRPr>
-              </a:lvl5pPr>
-              <a:lvl6pPr marL="2514600" indent="-228600" fontAlgn="base">
-                <a:spcBef>
-                  <a:spcPct val="0"/>
-                </a:spcBef>
-                <a:spcAft>
-                  <a:spcPct val="0"/>
-                </a:spcAft>
-                <a:defRPr>
-                  <a:solidFill>
-                    <a:schemeClr val="tx1"/>
-                  </a:solidFill>
-                  <a:latin typeface="Calibri" panose="020F0502020204030204" pitchFamily="34" charset="0"/>
-                </a:defRPr>
-              </a:lvl6pPr>
-              <a:lvl7pPr marL="2971800" indent="-228600" fontAlgn="base">
-                <a:spcBef>
-                  <a:spcPct val="0"/>
-                </a:spcBef>
-                <a:spcAft>
-                  <a:spcPct val="0"/>
-                </a:spcAft>
-                <a:defRPr>
-                  <a:solidFill>
-                    <a:schemeClr val="tx1"/>
-                  </a:solidFill>
-                  <a:latin typeface="Calibri" panose="020F0502020204030204" pitchFamily="34" charset="0"/>
-                </a:defRPr>
-              </a:lvl7pPr>
-              <a:lvl8pPr marL="3429000" indent="-228600" fontAlgn="base">
-                <a:spcBef>
-                  <a:spcPct val="0"/>
-                </a:spcBef>
-                <a:spcAft>
-                  <a:spcPct val="0"/>
-                </a:spcAft>
-                <a:defRPr>
-                  <a:solidFill>
-                    <a:schemeClr val="tx1"/>
-                  </a:solidFill>
-                  <a:latin typeface="Calibri" panose="020F0502020204030204" pitchFamily="34" charset="0"/>
-                </a:defRPr>
-              </a:lvl8pPr>
-              <a:lvl9pPr marL="3886200" indent="-228600" fontAlgn="base">
-                <a:spcBef>
-                  <a:spcPct val="0"/>
-                </a:spcBef>
-                <a:spcAft>
-                  <a:spcPct val="0"/>
-                </a:spcAft>
-                <a:defRPr>
-                  <a:solidFill>
-                    <a:schemeClr val="tx1"/>
-                  </a:solidFill>
-                  <a:latin typeface="Calibri" panose="020F0502020204030204" pitchFamily="34" charset="0"/>
-                </a:defRPr>
-              </a:lvl9pPr>
-            </a:lstStyle>
-            <a:p>
-              <a:pPr algn="ctr" eaLnBrk="1" hangingPunct="1"/>
-              <a:r>
-                <a:rPr lang="he-IL" altLang="en-US" sz="2000" b="1">
+              <a:ln>
+                <a:noFill/>
+              </a:ln>
+              <a:extLst>
+                <a:ext uri="{909E8E84-426E-40DD-AFC4-6F175D3DCCD1}">
+                  <a14:hiddenFill xmlns:a14="http://schemas.microsoft.com/office/drawing/2010/main">
+                    <a:solidFill>
+                      <a:srgbClr val="FFFFFF"/>
+                    </a:solidFill>
+                  </a14:hiddenFill>
+                </a:ext>
+                <a:ext uri="{91240B29-F687-4F45-9708-019B960494DF}">
+                  <a14:hiddenLine xmlns:a14="http://schemas.microsoft.com/office/drawing/2010/main" w="9525">
+                    <a:solidFill>
+                      <a:srgbClr val="000000"/>
+                    </a:solidFill>
+                    <a:miter lim="800000"/>
+                    <a:headEnd/>
+                    <a:tailEnd/>
+                  </a14:hiddenLine>
+                </a:ext>
+              </a:extLst>
+            </p:spPr>
+            <p:txBody>
+              <a:bodyPr>
+                <a:spAutoFit/>
+              </a:bodyPr>
+              <a:lstStyle>
+                <a:lvl1pPr>
+                  <a:defRPr>
+                    <a:solidFill>
+                      <a:schemeClr val="tx1"/>
+                    </a:solidFill>
+                    <a:latin typeface="Calibri" panose="020F0502020204030204" pitchFamily="34" charset="0"/>
+                  </a:defRPr>
+                </a:lvl1pPr>
+                <a:lvl2pPr marL="742950" indent="-285750">
+                  <a:defRPr>
+                    <a:solidFill>
+                      <a:schemeClr val="tx1"/>
+                    </a:solidFill>
+                    <a:latin typeface="Calibri" panose="020F0502020204030204" pitchFamily="34" charset="0"/>
+                  </a:defRPr>
+                </a:lvl2pPr>
+                <a:lvl3pPr marL="1143000" indent="-228600">
+                  <a:defRPr>
+                    <a:solidFill>
+                      <a:schemeClr val="tx1"/>
+                    </a:solidFill>
+                    <a:latin typeface="Calibri" panose="020F0502020204030204" pitchFamily="34" charset="0"/>
+                  </a:defRPr>
+                </a:lvl3pPr>
+                <a:lvl4pPr marL="1600200" indent="-228600">
+                  <a:defRPr>
+                    <a:solidFill>
+                      <a:schemeClr val="tx1"/>
+                    </a:solidFill>
+                    <a:latin typeface="Calibri" panose="020F0502020204030204" pitchFamily="34" charset="0"/>
+                  </a:defRPr>
+                </a:lvl4pPr>
+                <a:lvl5pPr marL="2057400" indent="-228600">
+                  <a:defRPr>
+                    <a:solidFill>
+                      <a:schemeClr val="tx1"/>
+                    </a:solidFill>
+                    <a:latin typeface="Calibri" panose="020F0502020204030204" pitchFamily="34" charset="0"/>
+                  </a:defRPr>
+                </a:lvl5pPr>
+                <a:lvl6pPr marL="2514600" indent="-228600" fontAlgn="base">
+                  <a:spcBef>
+                    <a:spcPct val="0"/>
+                  </a:spcBef>
+                  <a:spcAft>
+                    <a:spcPct val="0"/>
+                  </a:spcAft>
+                  <a:defRPr>
+                    <a:solidFill>
+                      <a:schemeClr val="tx1"/>
+                    </a:solidFill>
+                    <a:latin typeface="Calibri" panose="020F0502020204030204" pitchFamily="34" charset="0"/>
+                  </a:defRPr>
+                </a:lvl6pPr>
+                <a:lvl7pPr marL="2971800" indent="-228600" fontAlgn="base">
+                  <a:spcBef>
+                    <a:spcPct val="0"/>
+                  </a:spcBef>
+                  <a:spcAft>
+                    <a:spcPct val="0"/>
+                  </a:spcAft>
+                  <a:defRPr>
+                    <a:solidFill>
+                      <a:schemeClr val="tx1"/>
+                    </a:solidFill>
+                    <a:latin typeface="Calibri" panose="020F0502020204030204" pitchFamily="34" charset="0"/>
+                  </a:defRPr>
+                </a:lvl7pPr>
+                <a:lvl8pPr marL="3429000" indent="-228600" fontAlgn="base">
+                  <a:spcBef>
+                    <a:spcPct val="0"/>
+                  </a:spcBef>
+                  <a:spcAft>
+                    <a:spcPct val="0"/>
+                  </a:spcAft>
+                  <a:defRPr>
+                    <a:solidFill>
+                      <a:schemeClr val="tx1"/>
+                    </a:solidFill>
+                    <a:latin typeface="Calibri" panose="020F0502020204030204" pitchFamily="34" charset="0"/>
+                  </a:defRPr>
+                </a:lvl8pPr>
+                <a:lvl9pPr marL="3886200" indent="-228600" fontAlgn="base">
+                  <a:spcBef>
+                    <a:spcPct val="0"/>
+                  </a:spcBef>
+                  <a:spcAft>
+                    <a:spcPct val="0"/>
+                  </a:spcAft>
+                  <a:defRPr>
+                    <a:solidFill>
+                      <a:schemeClr val="tx1"/>
+                    </a:solidFill>
+                    <a:latin typeface="Calibri" panose="020F0502020204030204" pitchFamily="34" charset="0"/>
+                  </a:defRPr>
+                </a:lvl9pPr>
+              </a:lstStyle>
+              <a:p>
+                <a:pPr algn="ctr" eaLnBrk="1" hangingPunct="1"/>
+                <a:r>
+                  <a:rPr lang="he-IL" altLang="en-US" sz="2000" b="1">
+                    <a:latin typeface="David" panose="020E0502060401010101" pitchFamily="34" charset="-79"/>
+                    <a:cs typeface="David" panose="020E0502060401010101" pitchFamily="34" charset="-79"/>
+                  </a:rPr>
+                  <a:t>זוגית</a:t>
+                </a:r>
+                <a:endParaRPr lang="en-US" altLang="en-US" sz="2000" b="1">
                   <a:latin typeface="David" panose="020E0502060401010101" pitchFamily="34" charset="-79"/>
                   <a:cs typeface="David" panose="020E0502060401010101" pitchFamily="34" charset="-79"/>
-                </a:rPr>
-                <a:t>אי-זוגית</a:t>
-              </a:r>
-              <a:endParaRPr lang="en-US" altLang="en-US" sz="2000" b="1">
-                <a:latin typeface="David" panose="020E0502060401010101" pitchFamily="34" charset="-79"/>
-                <a:cs typeface="David" panose="020E0502060401010101" pitchFamily="34" charset="-79"/>
-              </a:endParaRPr>
-            </a:p>
-          </p:txBody>
-        </p:sp>
+                </a:endParaRPr>
+              </a:p>
+            </p:txBody>
+          </p:sp>
+        </p:grpSp>
       </p:grpSp>
     </p:spTree>
     <p:extLst>
@@ -4205,7 +4393,7 @@
                 <a:latin typeface="David" panose="020E0502060401010101" pitchFamily="34" charset="-79"/>
                 <a:cs typeface="David" panose="020E0502060401010101" pitchFamily="34" charset="-79"/>
               </a:rPr>
-              <a:t>הושפעה מהמחשבה ששמעת באותו צעד </a:t>
+              <a:t>הושפעה מהמחשבה ששמעת באותו צעד</a:t>
             </a:r>
             <a:r>
               <a:rPr lang="he-IL" sz="1850" dirty="0">
@@ -4215,7 +4403,7 @@
                 <a:latin typeface="David" panose="020E0502060401010101" pitchFamily="34" charset="-79"/>
                 <a:cs typeface="David" panose="020E0502060401010101" pitchFamily="34" charset="-79"/>
               </a:rPr>
-              <a:t>(המשפט המוקלט).</a:t>
+              <a:t>.</a:t>
             </a:r>
           </a:p>
           <a:p>
@@ -4256,7 +4444,27 @@
                 <a:latin typeface="David" panose="020E0502060401010101" pitchFamily="34" charset="-79"/>
                 <a:cs typeface="David" panose="020E0502060401010101" pitchFamily="34" charset="-79"/>
               </a:rPr>
-              <a:t>הכפתור המרכזי בתיבת התגובות</a:t>
+              <a:t>כפתור הרווח (</a:t>
+            </a:r>
+            <a:r>
+              <a:rPr lang="en-GB" sz="1850" b="1" dirty="0">
+                <a:solidFill>
+                  <a:schemeClr val="tx1"/>
+                </a:solidFill>
+                <a:latin typeface="David" panose="020E0502060401010101" pitchFamily="34" charset="-79"/>
+                <a:cs typeface="David" panose="020E0502060401010101" pitchFamily="34" charset="-79"/>
+              </a:rPr>
+              <a:t>Space</a:t>
+            </a:r>
+            <a:r>
+              <a:rPr lang="he-IL" sz="1850" b="1" dirty="0">
+                <a:solidFill>
+                  <a:schemeClr val="tx1"/>
+                </a:solidFill>
+                <a:latin typeface="David" panose="020E0502060401010101" pitchFamily="34" charset="-79"/>
+                <a:cs typeface="David" panose="020E0502060401010101" pitchFamily="34" charset="-79"/>
+              </a:rPr>
+              <a:t>) במקלדת</a:t>
             </a:r>
             <a:r>
               <a:rPr lang="he-IL" sz="1850" dirty="0">
@@ -4433,273 +4641,387 @@
                 <a:latin typeface="David" panose="020E0502060401010101" pitchFamily="34" charset="-79"/>
                 <a:cs typeface="David" panose="020E0502060401010101" pitchFamily="34" charset="-79"/>
               </a:rPr>
-              <a:t>להמשך ההנחיות לחץ על אחד הכפתורים בתיבה.</a:t>
-            </a:r>
+              <a:t>כשסיימת לקרוא,</a:t>
+            </a:r>
+          </a:p>
+          <a:p>
+            <a:pPr algn="ctr" rtl="1"/>
+            <a:r>
+              <a:rPr lang="he-IL" sz="1937" u="sng" dirty="0">
+                <a:solidFill>
+                  <a:schemeClr val="tx1"/>
+                </a:solidFill>
+                <a:latin typeface="David" panose="020E0502060401010101" pitchFamily="34" charset="-79"/>
+                <a:cs typeface="David" panose="020E0502060401010101" pitchFamily="34" charset="-79"/>
+              </a:rPr>
+              <a:t> לחץ/י על מקש רווח</a:t>
+            </a:r>
+            <a:endParaRPr lang="he-IL" sz="1937" dirty="0">
+              <a:solidFill>
+                <a:schemeClr val="tx1"/>
+              </a:solidFill>
+              <a:latin typeface="David" panose="020E0502060401010101" pitchFamily="34" charset="-79"/>
+              <a:cs typeface="David" panose="020E0502060401010101" pitchFamily="34" charset="-79"/>
+            </a:endParaRPr>
           </a:p>
         </p:txBody>
       </p:sp>
       <p:grpSp>
         <p:nvGrpSpPr>
-          <p:cNvPr id="12" name="Group 11"/>
+          <p:cNvPr id="3" name="Group 2">
+            <a:extLst>
+              <a:ext uri="{FF2B5EF4-FFF2-40B4-BE49-F238E27FC236}">
+                <a16:creationId xmlns:a16="http://schemas.microsoft.com/office/drawing/2014/main" id="{9E19FD51-23C5-492E-8222-2832CF9FC17B}"/>
+              </a:ext>
+            </a:extLst>
+          </p:cNvPr>
           <p:cNvGrpSpPr/>
           <p:nvPr/>
         </p:nvGrpSpPr>
         <p:grpSpPr>
           <a:xfrm>
-            <a:off x="3608665" y="3015809"/>
-            <a:ext cx="4986558" cy="2188130"/>
-            <a:chOff x="3608665" y="3015809"/>
-            <a:chExt cx="4986558" cy="2188130"/>
+            <a:off x="3889001" y="2914563"/>
+            <a:ext cx="4413998" cy="2500270"/>
+            <a:chOff x="4084050" y="2879075"/>
+            <a:chExt cx="4095216" cy="2289512"/>
           </a:xfrm>
         </p:grpSpPr>
-        <p:pic>
-          <p:nvPicPr>
-            <p:cNvPr id="7" name="Picture 3"/>
-            <p:cNvPicPr>
-              <a:picLocks noChangeAspect="1"/>
-            </p:cNvPicPr>
-            <p:nvPr/>
-          </p:nvPicPr>
-          <p:blipFill>
-            <a:blip r:embed="rId2" cstate="print">
+        <p:grpSp>
+          <p:nvGrpSpPr>
+            <p:cNvPr id="10" name="Group 9">
               <a:extLst>
-                <a:ext uri="{28A0092B-C50C-407E-A947-70E740481C1C}">
-                  <a14:useLocalDpi xmlns:a14="http://schemas.microsoft.com/office/drawing/2010/main" val="0"/>
+                <a:ext uri="{FF2B5EF4-FFF2-40B4-BE49-F238E27FC236}">
+                  <a16:creationId xmlns:a16="http://schemas.microsoft.com/office/drawing/2014/main" id="{334413AA-4AAA-4893-9BD8-5C6AA6DC6D1C}"/>
                 </a:ext>
               </a:extLst>
-            </a:blip>
-            <a:srcRect t="9105" b="24956"/>
-            <a:stretch>
-              <a:fillRect/>
-            </a:stretch>
-          </p:blipFill>
-          <p:spPr bwMode="auto">
+            </p:cNvPr>
+            <p:cNvGrpSpPr/>
+            <p:nvPr/>
+          </p:nvGrpSpPr>
+          <p:grpSpPr>
             <a:xfrm>
-              <a:off x="3608665" y="3015809"/>
-              <a:ext cx="4986558" cy="1443511"/>
+              <a:off x="4084050" y="2879075"/>
+              <a:ext cx="4095216" cy="1666348"/>
+              <a:chOff x="3859646" y="2817092"/>
+              <a:chExt cx="4472708" cy="1814944"/>
             </a:xfrm>
-            <a:prstGeom prst="rect">
-              <a:avLst/>
-            </a:prstGeom>
-            <a:noFill/>
-            <a:ln>
+          </p:grpSpPr>
+          <p:pic>
+            <p:nvPicPr>
+              <p:cNvPr id="19" name="Picture 18">
+                <a:extLst>
+                  <a:ext uri="{FF2B5EF4-FFF2-40B4-BE49-F238E27FC236}">
+                    <a16:creationId xmlns:a16="http://schemas.microsoft.com/office/drawing/2014/main" id="{18E88FB8-6E17-4EE5-BDDD-8947B1FEB2A4}"/>
+                  </a:ext>
+                </a:extLst>
+              </p:cNvPr>
+              <p:cNvPicPr>
+                <a:picLocks noChangeAspect="1"/>
+              </p:cNvPicPr>
+              <p:nvPr/>
+            </p:nvPicPr>
+            <p:blipFill>
+              <a:blip r:embed="rId2"/>
+              <a:stretch>
+                <a:fillRect/>
+              </a:stretch>
+            </p:blipFill>
+            <p:spPr>
+              <a:xfrm>
+                <a:off x="3859646" y="2817092"/>
+                <a:ext cx="4472708" cy="1814944"/>
+              </a:xfrm>
+              <a:prstGeom prst="rect">
+                <a:avLst/>
+              </a:prstGeom>
+            </p:spPr>
+          </p:pic>
+          <p:sp>
+            <p:nvSpPr>
+              <p:cNvPr id="20" name="Rectangle 19">
+                <a:extLst>
+                  <a:ext uri="{FF2B5EF4-FFF2-40B4-BE49-F238E27FC236}">
+                    <a16:creationId xmlns:a16="http://schemas.microsoft.com/office/drawing/2014/main" id="{76A5C441-FD80-4FB4-ACDA-04982287C506}"/>
+                  </a:ext>
+                </a:extLst>
+              </p:cNvPr>
+              <p:cNvSpPr/>
+              <p:nvPr/>
+            </p:nvSpPr>
+            <p:spPr>
+              <a:xfrm>
+                <a:off x="5124675" y="4268582"/>
+                <a:ext cx="1760040" cy="341745"/>
+              </a:xfrm>
+              <a:prstGeom prst="rect">
+                <a:avLst/>
+              </a:prstGeom>
+              <a:solidFill>
+                <a:srgbClr val="FFFF00">
+                  <a:alpha val="18039"/>
+                </a:srgbClr>
+              </a:solidFill>
+              <a:ln w="28575">
+                <a:solidFill>
+                  <a:srgbClr val="FF0000"/>
+                </a:solidFill>
+              </a:ln>
+            </p:spPr>
+            <p:style>
+              <a:lnRef idx="2">
+                <a:schemeClr val="accent1">
+                  <a:shade val="50000"/>
+                </a:schemeClr>
+              </a:lnRef>
+              <a:fillRef idx="1">
+                <a:schemeClr val="accent1"/>
+              </a:fillRef>
+              <a:effectRef idx="0">
+                <a:schemeClr val="accent1"/>
+              </a:effectRef>
+              <a:fontRef idx="minor">
+                <a:schemeClr val="lt1"/>
+              </a:fontRef>
+            </p:style>
+            <p:txBody>
+              <a:bodyPr rtlCol="0" anchor="ctr"/>
+              <a:lstStyle/>
+              <a:p>
+                <a:pPr algn="ctr"/>
+                <a:endParaRPr lang="LID4096" dirty="0"/>
+              </a:p>
+            </p:txBody>
+          </p:sp>
+        </p:grpSp>
+        <p:grpSp>
+          <p:nvGrpSpPr>
+            <p:cNvPr id="2" name="Group 1">
+              <a:extLst>
+                <a:ext uri="{FF2B5EF4-FFF2-40B4-BE49-F238E27FC236}">
+                  <a16:creationId xmlns:a16="http://schemas.microsoft.com/office/drawing/2014/main" id="{B0C1C73A-D3AB-4E30-9FFB-5714CF9B2CEC}"/>
+                </a:ext>
+              </a:extLst>
+            </p:cNvPr>
+            <p:cNvGrpSpPr/>
+            <p:nvPr/>
+          </p:nvGrpSpPr>
+          <p:grpSpPr>
+            <a:xfrm>
+              <a:off x="4914721" y="4459882"/>
+              <a:ext cx="2433872" cy="708705"/>
+              <a:chOff x="4914721" y="4545423"/>
+              <a:chExt cx="2433872" cy="708705"/>
+            </a:xfrm>
+          </p:grpSpPr>
+          <p:cxnSp>
+            <p:nvCxnSpPr>
+              <p:cNvPr id="22" name="Straight Arrow Connector 21">
+                <a:extLst>
+                  <a:ext uri="{FF2B5EF4-FFF2-40B4-BE49-F238E27FC236}">
+                    <a16:creationId xmlns:a16="http://schemas.microsoft.com/office/drawing/2014/main" id="{F1CDC634-9AEA-4DD2-A25B-B137D939476F}"/>
+                  </a:ext>
+                </a:extLst>
+              </p:cNvPr>
+              <p:cNvCxnSpPr>
+                <a:cxnSpLocks/>
+              </p:cNvCxnSpPr>
+              <p:nvPr/>
+            </p:nvCxnSpPr>
+            <p:spPr bwMode="auto">
+              <a:xfrm flipH="1">
+                <a:off x="6102911" y="4545423"/>
+                <a:ext cx="1" cy="383574"/>
+              </a:xfrm>
+              <a:prstGeom prst="straightConnector1">
+                <a:avLst/>
+              </a:prstGeom>
+              <a:ln w="38100">
+                <a:solidFill>
+                  <a:schemeClr val="tx1"/>
+                </a:solidFill>
+                <a:tailEnd type="triangle"/>
+              </a:ln>
+            </p:spPr>
+            <p:style>
+              <a:lnRef idx="1">
+                <a:schemeClr val="accent1"/>
+              </a:lnRef>
+              <a:fillRef idx="0">
+                <a:schemeClr val="accent1"/>
+              </a:fillRef>
+              <a:effectRef idx="0">
+                <a:schemeClr val="accent1"/>
+              </a:effectRef>
+              <a:fontRef idx="minor">
+                <a:schemeClr val="tx1"/>
+              </a:fontRef>
+            </p:style>
+          </p:cxnSp>
+          <p:sp>
+            <p:nvSpPr>
+              <p:cNvPr id="23" name="TextBox 13">
+                <a:extLst>
+                  <a:ext uri="{FF2B5EF4-FFF2-40B4-BE49-F238E27FC236}">
+                    <a16:creationId xmlns:a16="http://schemas.microsoft.com/office/drawing/2014/main" id="{B2047EE9-DC81-4775-8400-F451FBE2E711}"/>
+                  </a:ext>
+                </a:extLst>
+              </p:cNvPr>
+              <p:cNvSpPr txBox="1">
+                <a:spLocks noChangeArrowheads="1"/>
+              </p:cNvSpPr>
+              <p:nvPr/>
+            </p:nvSpPr>
+            <p:spPr bwMode="auto">
+              <a:xfrm>
+                <a:off x="4914721" y="4854018"/>
+                <a:ext cx="2433872" cy="400110"/>
+              </a:xfrm>
+              <a:prstGeom prst="rect">
+                <a:avLst/>
+              </a:prstGeom>
               <a:noFill/>
-            </a:ln>
-            <a:extLst>
-              <a:ext uri="{909E8E84-426E-40DD-AFC4-6F175D3DCCD1}">
-                <a14:hiddenFill xmlns:a14="http://schemas.microsoft.com/office/drawing/2010/main">
-                  <a:solidFill>
-                    <a:srgbClr val="FFFFFF"/>
-                  </a:solidFill>
-                </a14:hiddenFill>
-              </a:ext>
-              <a:ext uri="{91240B29-F687-4F45-9708-019B960494DF}">
-                <a14:hiddenLine xmlns:a14="http://schemas.microsoft.com/office/drawing/2010/main" w="9525">
-                  <a:solidFill>
-                    <a:srgbClr val="000000"/>
-                  </a:solidFill>
-                  <a:miter lim="800000"/>
-                  <a:headEnd/>
-                  <a:tailEnd/>
-                </a14:hiddenLine>
-              </a:ext>
-            </a:extLst>
-          </p:spPr>
-        </p:pic>
-        <p:cxnSp>
-          <p:nvCxnSpPr>
-            <p:cNvPr id="8" name="Straight Arrow Connector 7"/>
-            <p:cNvCxnSpPr/>
-            <p:nvPr/>
-          </p:nvCxnSpPr>
-          <p:spPr bwMode="auto">
-            <a:xfrm flipH="1">
-              <a:off x="6018026" y="4305614"/>
-              <a:ext cx="6911" cy="544124"/>
-            </a:xfrm>
-            <a:prstGeom prst="straightConnector1">
-              <a:avLst/>
-            </a:prstGeom>
-            <a:ln w="38100">
-              <a:solidFill>
-                <a:schemeClr val="tx1"/>
-              </a:solidFill>
-              <a:tailEnd type="triangle"/>
-            </a:ln>
-          </p:spPr>
-          <p:style>
-            <a:lnRef idx="1">
-              <a:schemeClr val="accent1"/>
-            </a:lnRef>
-            <a:fillRef idx="0">
-              <a:schemeClr val="accent1"/>
-            </a:fillRef>
-            <a:effectRef idx="0">
-              <a:schemeClr val="accent1"/>
-            </a:effectRef>
-            <a:fontRef idx="minor">
-              <a:schemeClr val="tx1"/>
-            </a:fontRef>
-          </p:style>
-        </p:cxnSp>
-        <p:sp>
-          <p:nvSpPr>
-            <p:cNvPr id="11" name="TextBox 13"/>
-            <p:cNvSpPr txBox="1">
-              <a:spLocks noChangeArrowheads="1"/>
-            </p:cNvSpPr>
-            <p:nvPr/>
-          </p:nvSpPr>
-          <p:spPr bwMode="auto">
-            <a:xfrm>
-              <a:off x="4801090" y="4803829"/>
-              <a:ext cx="2433872" cy="400110"/>
-            </a:xfrm>
-            <a:prstGeom prst="rect">
-              <a:avLst/>
-            </a:prstGeom>
-            <a:noFill/>
-            <a:ln>
-              <a:noFill/>
-            </a:ln>
-            <a:extLst>
-              <a:ext uri="{909E8E84-426E-40DD-AFC4-6F175D3DCCD1}">
-                <a14:hiddenFill xmlns:a14="http://schemas.microsoft.com/office/drawing/2010/main">
-                  <a:solidFill>
-                    <a:srgbClr val="FFFFFF"/>
-                  </a:solidFill>
-                </a14:hiddenFill>
-              </a:ext>
-              <a:ext uri="{91240B29-F687-4F45-9708-019B960494DF}">
-                <a14:hiddenLine xmlns:a14="http://schemas.microsoft.com/office/drawing/2010/main" w="9525">
-                  <a:solidFill>
-                    <a:srgbClr val="000000"/>
-                  </a:solidFill>
-                  <a:miter lim="800000"/>
-                  <a:headEnd/>
-                  <a:tailEnd/>
-                </a14:hiddenLine>
-              </a:ext>
-            </a:extLst>
-          </p:spPr>
-          <p:txBody>
-            <a:bodyPr wrap="square">
-              <a:spAutoFit/>
-            </a:bodyPr>
-            <a:lstStyle>
-              <a:lvl1pPr>
-                <a:defRPr>
-                  <a:solidFill>
-                    <a:schemeClr val="tx1"/>
-                  </a:solidFill>
-                  <a:latin typeface="Calibri" panose="020F0502020204030204" pitchFamily="34" charset="0"/>
-                </a:defRPr>
-              </a:lvl1pPr>
-              <a:lvl2pPr marL="742950" indent="-285750">
-                <a:defRPr>
-                  <a:solidFill>
-                    <a:schemeClr val="tx1"/>
-                  </a:solidFill>
-                  <a:latin typeface="Calibri" panose="020F0502020204030204" pitchFamily="34" charset="0"/>
-                </a:defRPr>
-              </a:lvl2pPr>
-              <a:lvl3pPr marL="1143000" indent="-228600">
-                <a:defRPr>
-                  <a:solidFill>
-                    <a:schemeClr val="tx1"/>
-                  </a:solidFill>
-                  <a:latin typeface="Calibri" panose="020F0502020204030204" pitchFamily="34" charset="0"/>
-                </a:defRPr>
-              </a:lvl3pPr>
-              <a:lvl4pPr marL="1600200" indent="-228600">
-                <a:defRPr>
-                  <a:solidFill>
-                    <a:schemeClr val="tx1"/>
-                  </a:solidFill>
-                  <a:latin typeface="Calibri" panose="020F0502020204030204" pitchFamily="34" charset="0"/>
-                </a:defRPr>
-              </a:lvl4pPr>
-              <a:lvl5pPr marL="2057400" indent="-228600">
-                <a:defRPr>
-                  <a:solidFill>
-                    <a:schemeClr val="tx1"/>
-                  </a:solidFill>
-                  <a:latin typeface="Calibri" panose="020F0502020204030204" pitchFamily="34" charset="0"/>
-                </a:defRPr>
-              </a:lvl5pPr>
-              <a:lvl6pPr marL="2514600" indent="-228600" fontAlgn="base">
-                <a:spcBef>
-                  <a:spcPct val="0"/>
-                </a:spcBef>
-                <a:spcAft>
-                  <a:spcPct val="0"/>
-                </a:spcAft>
-                <a:defRPr>
-                  <a:solidFill>
-                    <a:schemeClr val="tx1"/>
-                  </a:solidFill>
-                  <a:latin typeface="Calibri" panose="020F0502020204030204" pitchFamily="34" charset="0"/>
-                </a:defRPr>
-              </a:lvl6pPr>
-              <a:lvl7pPr marL="2971800" indent="-228600" fontAlgn="base">
-                <a:spcBef>
-                  <a:spcPct val="0"/>
-                </a:spcBef>
-                <a:spcAft>
-                  <a:spcPct val="0"/>
-                </a:spcAft>
-                <a:defRPr>
-                  <a:solidFill>
-                    <a:schemeClr val="tx1"/>
-                  </a:solidFill>
-                  <a:latin typeface="Calibri" panose="020F0502020204030204" pitchFamily="34" charset="0"/>
-                </a:defRPr>
-              </a:lvl7pPr>
-              <a:lvl8pPr marL="3429000" indent="-228600" fontAlgn="base">
-                <a:spcBef>
-                  <a:spcPct val="0"/>
-                </a:spcBef>
-                <a:spcAft>
-                  <a:spcPct val="0"/>
-                </a:spcAft>
-                <a:defRPr>
-                  <a:solidFill>
-                    <a:schemeClr val="tx1"/>
-                  </a:solidFill>
-                  <a:latin typeface="Calibri" panose="020F0502020204030204" pitchFamily="34" charset="0"/>
-                </a:defRPr>
-              </a:lvl8pPr>
-              <a:lvl9pPr marL="3886200" indent="-228600" fontAlgn="base">
-                <a:spcBef>
-                  <a:spcPct val="0"/>
-                </a:spcBef>
-                <a:spcAft>
-                  <a:spcPct val="0"/>
-                </a:spcAft>
-                <a:defRPr>
-                  <a:solidFill>
-                    <a:schemeClr val="tx1"/>
-                  </a:solidFill>
-                  <a:latin typeface="Calibri" panose="020F0502020204030204" pitchFamily="34" charset="0"/>
-                </a:defRPr>
-              </a:lvl9pPr>
-            </a:lstStyle>
-            <a:p>
-              <a:pPr algn="ctr" eaLnBrk="1" hangingPunct="1"/>
-              <a:r>
-                <a:rPr lang="he-IL" altLang="en-US" sz="2000" b="1" dirty="0">
+              <a:ln>
+                <a:noFill/>
+              </a:ln>
+              <a:extLst>
+                <a:ext uri="{909E8E84-426E-40DD-AFC4-6F175D3DCCD1}">
+                  <a14:hiddenFill xmlns:a14="http://schemas.microsoft.com/office/drawing/2010/main">
+                    <a:solidFill>
+                      <a:srgbClr val="FFFFFF"/>
+                    </a:solidFill>
+                  </a14:hiddenFill>
+                </a:ext>
+                <a:ext uri="{91240B29-F687-4F45-9708-019B960494DF}">
+                  <a14:hiddenLine xmlns:a14="http://schemas.microsoft.com/office/drawing/2010/main" w="9525">
+                    <a:solidFill>
+                      <a:srgbClr val="000000"/>
+                    </a:solidFill>
+                    <a:miter lim="800000"/>
+                    <a:headEnd/>
+                    <a:tailEnd/>
+                  </a14:hiddenLine>
+                </a:ext>
+              </a:extLst>
+            </p:spPr>
+            <p:txBody>
+              <a:bodyPr wrap="square">
+                <a:spAutoFit/>
+              </a:bodyPr>
+              <a:lstStyle>
+                <a:lvl1pPr>
+                  <a:defRPr>
+                    <a:solidFill>
+                      <a:schemeClr val="tx1"/>
+                    </a:solidFill>
+                    <a:latin typeface="Calibri" panose="020F0502020204030204" pitchFamily="34" charset="0"/>
+                  </a:defRPr>
+                </a:lvl1pPr>
+                <a:lvl2pPr marL="742950" indent="-285750">
+                  <a:defRPr>
+                    <a:solidFill>
+                      <a:schemeClr val="tx1"/>
+                    </a:solidFill>
+                    <a:latin typeface="Calibri" panose="020F0502020204030204" pitchFamily="34" charset="0"/>
+                  </a:defRPr>
+                </a:lvl2pPr>
+                <a:lvl3pPr marL="1143000" indent="-228600">
+                  <a:defRPr>
+                    <a:solidFill>
+                      <a:schemeClr val="tx1"/>
+                    </a:solidFill>
+                    <a:latin typeface="Calibri" panose="020F0502020204030204" pitchFamily="34" charset="0"/>
+                  </a:defRPr>
+                </a:lvl3pPr>
+                <a:lvl4pPr marL="1600200" indent="-228600">
+                  <a:defRPr>
+                    <a:solidFill>
+                      <a:schemeClr val="tx1"/>
+                    </a:solidFill>
+                    <a:latin typeface="Calibri" panose="020F0502020204030204" pitchFamily="34" charset="0"/>
+                  </a:defRPr>
+                </a:lvl4pPr>
+                <a:lvl5pPr marL="2057400" indent="-228600">
+                  <a:defRPr>
+                    <a:solidFill>
+                      <a:schemeClr val="tx1"/>
+                    </a:solidFill>
+                    <a:latin typeface="Calibri" panose="020F0502020204030204" pitchFamily="34" charset="0"/>
+                  </a:defRPr>
+                </a:lvl5pPr>
+                <a:lvl6pPr marL="2514600" indent="-228600" fontAlgn="base">
+                  <a:spcBef>
+                    <a:spcPct val="0"/>
+                  </a:spcBef>
+                  <a:spcAft>
+                    <a:spcPct val="0"/>
+                  </a:spcAft>
+                  <a:defRPr>
+                    <a:solidFill>
+                      <a:schemeClr val="tx1"/>
+                    </a:solidFill>
+                    <a:latin typeface="Calibri" panose="020F0502020204030204" pitchFamily="34" charset="0"/>
+                  </a:defRPr>
+                </a:lvl6pPr>
+                <a:lvl7pPr marL="2971800" indent="-228600" fontAlgn="base">
+                  <a:spcBef>
+                    <a:spcPct val="0"/>
+                  </a:spcBef>
+                  <a:spcAft>
+                    <a:spcPct val="0"/>
+                  </a:spcAft>
+                  <a:defRPr>
+                    <a:solidFill>
+                      <a:schemeClr val="tx1"/>
+                    </a:solidFill>
+                    <a:latin typeface="Calibri" panose="020F0502020204030204" pitchFamily="34" charset="0"/>
+                  </a:defRPr>
+                </a:lvl7pPr>
+                <a:lvl8pPr marL="3429000" indent="-228600" fontAlgn="base">
+                  <a:spcBef>
+                    <a:spcPct val="0"/>
+                  </a:spcBef>
+                  <a:spcAft>
+                    <a:spcPct val="0"/>
+                  </a:spcAft>
+                  <a:defRPr>
+                    <a:solidFill>
+                      <a:schemeClr val="tx1"/>
+                    </a:solidFill>
+                    <a:latin typeface="Calibri" panose="020F0502020204030204" pitchFamily="34" charset="0"/>
+                  </a:defRPr>
+                </a:lvl8pPr>
+                <a:lvl9pPr marL="3886200" indent="-228600" fontAlgn="base">
+                  <a:spcBef>
+                    <a:spcPct val="0"/>
+                  </a:spcBef>
+                  <a:spcAft>
+                    <a:spcPct val="0"/>
+                  </a:spcAft>
+                  <a:defRPr>
+                    <a:solidFill>
+                      <a:schemeClr val="tx1"/>
+                    </a:solidFill>
+                    <a:latin typeface="Calibri" panose="020F0502020204030204" pitchFamily="34" charset="0"/>
+                  </a:defRPr>
+                </a:lvl9pPr>
+              </a:lstStyle>
+              <a:p>
+                <a:pPr algn="ctr" eaLnBrk="1" hangingPunct="1"/>
+                <a:r>
+                  <a:rPr lang="he-IL" altLang="en-US" sz="2000" b="1" dirty="0">
+                    <a:latin typeface="David" panose="020E0502060401010101" pitchFamily="34" charset="-79"/>
+                    <a:cs typeface="David" panose="020E0502060401010101" pitchFamily="34" charset="-79"/>
+                  </a:rPr>
+                  <a:t>המחשבה השפיעה</a:t>
+                </a:r>
+                <a:endParaRPr lang="en-US" altLang="en-US" sz="2000" b="1" dirty="0">
                   <a:latin typeface="David" panose="020E0502060401010101" pitchFamily="34" charset="-79"/>
                   <a:cs typeface="David" panose="020E0502060401010101" pitchFamily="34" charset="-79"/>
-                </a:rPr>
-                <a:t>המחשבה השפיעה</a:t>
-              </a:r>
-              <a:endParaRPr lang="en-US" altLang="en-US" sz="2000" b="1" dirty="0">
-                <a:latin typeface="David" panose="020E0502060401010101" pitchFamily="34" charset="-79"/>
-                <a:cs typeface="David" panose="020E0502060401010101" pitchFamily="34" charset="-79"/>
-              </a:endParaRPr>
-            </a:p>
-          </p:txBody>
-        </p:sp>
+                </a:endParaRPr>
+              </a:p>
+            </p:txBody>
+          </p:sp>
+        </p:grpSp>
       </p:grpSp>
     </p:spTree>
     <p:extLst>
@@ -4979,8 +5301,28 @@
                 <a:latin typeface="David" panose="020E0502060401010101" pitchFamily="34" charset="-79"/>
                 <a:cs typeface="David" panose="020E0502060401010101" pitchFamily="34" charset="-79"/>
               </a:rPr>
-              <a:t>להמשך ההנחיות לחץ על אחד הכפתורים בתיבה.</a:t>
-            </a:r>
+              <a:t>כשסיימת לקרוא,</a:t>
+            </a:r>
+          </a:p>
+          <a:p>
+            <a:pPr algn="ctr" rtl="1"/>
+            <a:r>
+              <a:rPr lang="he-IL" sz="1937" u="sng" dirty="0">
+                <a:solidFill>
+                  <a:schemeClr val="tx1"/>
+                </a:solidFill>
+                <a:latin typeface="David" panose="020E0502060401010101" pitchFamily="34" charset="-79"/>
+                <a:cs typeface="David" panose="020E0502060401010101" pitchFamily="34" charset="-79"/>
+              </a:rPr>
+              <a:t> לחץ/י על מקש רווח</a:t>
+            </a:r>
+            <a:endParaRPr lang="he-IL" sz="1937" dirty="0">
+              <a:solidFill>
+                <a:schemeClr val="tx1"/>
+              </a:solidFill>
+              <a:latin typeface="David" panose="020E0502060401010101" pitchFamily="34" charset="-79"/>
+              <a:cs typeface="David" panose="020E0502060401010101" pitchFamily="34" charset="-79"/>
+            </a:endParaRPr>
           </a:p>
         </p:txBody>
       </p:sp>
@@ -5185,7 +5527,7 @@
                 <a:latin typeface="David" panose="020E0502060401010101" pitchFamily="34" charset="-79"/>
                 <a:cs typeface="David" panose="020E0502060401010101" pitchFamily="34" charset="-79"/>
               </a:rPr>
-              <a:t> באמצעות לחיצה על המקש המתאים בתיבת התגובות.</a:t>
+              <a:t> באמצעות לחיצה על המקש המתאים במקלדת.</a:t>
             </a:r>
           </a:p>
           <a:p>
@@ -5232,7 +5574,7 @@
                 <a:latin typeface="David" panose="020E0502060401010101" pitchFamily="34" charset="-79"/>
                 <a:cs typeface="David" panose="020E0502060401010101" pitchFamily="34" charset="-79"/>
               </a:rPr>
-              <a:t>המקש המרכזי </a:t>
+              <a:t>מקש הרווח </a:t>
             </a:r>
             <a:r>
               <a:rPr lang="he-IL" sz="1850" dirty="0">
@@ -5242,7 +5584,7 @@
                 <a:latin typeface="David" panose="020E0502060401010101" pitchFamily="34" charset="-79"/>
                 <a:cs typeface="David" panose="020E0502060401010101" pitchFamily="34" charset="-79"/>
               </a:rPr>
-              <a:t>בתיבת התגובות.</a:t>
+              <a:t>במקלדת.</a:t>
             </a:r>
           </a:p>
           <a:p>
@@ -5427,8 +5769,28 @@
                 <a:latin typeface="David" panose="020E0502060401010101" pitchFamily="34" charset="-79"/>
                 <a:cs typeface="David" panose="020E0502060401010101" pitchFamily="34" charset="-79"/>
               </a:rPr>
-              <a:t>להמשך ההנחיות לחץ על אחד הכפתורים בתיבה.</a:t>
-            </a:r>
+              <a:t>כשסיימת לקרוא,</a:t>
+            </a:r>
+          </a:p>
+          <a:p>
+            <a:pPr algn="ctr" rtl="1"/>
+            <a:r>
+              <a:rPr lang="he-IL" sz="1937" u="sng" dirty="0">
+                <a:solidFill>
+                  <a:schemeClr val="tx1"/>
+                </a:solidFill>
+                <a:latin typeface="David" panose="020E0502060401010101" pitchFamily="34" charset="-79"/>
+                <a:cs typeface="David" panose="020E0502060401010101" pitchFamily="34" charset="-79"/>
+              </a:rPr>
+              <a:t> לחץ/י על מקש רווח</a:t>
+            </a:r>
+            <a:endParaRPr lang="he-IL" sz="1937" dirty="0">
+              <a:solidFill>
+                <a:schemeClr val="tx1"/>
+              </a:solidFill>
+              <a:latin typeface="David" panose="020E0502060401010101" pitchFamily="34" charset="-79"/>
+              <a:cs typeface="David" panose="020E0502060401010101" pitchFamily="34" charset="-79"/>
+            </a:endParaRPr>
           </a:p>
         </p:txBody>
       </p:sp>
@@ -5598,8 +5960,28 @@
                 <a:latin typeface="David" panose="020E0502060401010101" pitchFamily="34" charset="-79"/>
                 <a:cs typeface="David" panose="020E0502060401010101" pitchFamily="34" charset="-79"/>
               </a:rPr>
-              <a:t>להמשך ההנחיות לחץ על אחד הכפתורים בתיבה.</a:t>
-            </a:r>
+              <a:t>כשסיימת לקרוא,</a:t>
+            </a:r>
+          </a:p>
+          <a:p>
+            <a:pPr algn="ctr" rtl="1"/>
+            <a:r>
+              <a:rPr lang="he-IL" sz="1937" u="sng" dirty="0">
+                <a:solidFill>
+                  <a:schemeClr val="tx1"/>
+                </a:solidFill>
+                <a:latin typeface="David" panose="020E0502060401010101" pitchFamily="34" charset="-79"/>
+                <a:cs typeface="David" panose="020E0502060401010101" pitchFamily="34" charset="-79"/>
+              </a:rPr>
+              <a:t> לחץ/י על מקש רווח</a:t>
+            </a:r>
+            <a:endParaRPr lang="he-IL" sz="1937" dirty="0">
+              <a:solidFill>
+                <a:schemeClr val="tx1"/>
+              </a:solidFill>
+              <a:latin typeface="David" panose="020E0502060401010101" pitchFamily="34" charset="-79"/>
+              <a:cs typeface="David" panose="020E0502060401010101" pitchFamily="34" charset="-79"/>
+            </a:endParaRPr>
           </a:p>
         </p:txBody>
       </p:sp>
